--- a/客户演示（第二小组）.pptx
+++ b/客户演示（第二小组）.pptx
@@ -26,29 +26,29 @@
   <p:notesSz cx="6858000" cy="9144000"/>
   <p:embeddedFontLst>
     <p:embeddedFont>
+      <p:font typeface="微软雅黑 Light" panose="020B0502040204020203" pitchFamily="34" charset="-122"/>
+      <p:regular r:id="rId16"/>
+    </p:embeddedFont>
+    <p:embeddedFont>
       <p:font typeface="Microsoft New Tai Lue" panose="020B0502040204020203" pitchFamily="34" charset="0"/>
-      <p:regular r:id="rId16"/>
-      <p:bold r:id="rId17"/>
+      <p:regular r:id="rId17"/>
+      <p:bold r:id="rId18"/>
     </p:embeddedFont>
     <p:embeddedFont>
       <p:font typeface="Calibri" panose="020F0502020204030204" pitchFamily="34" charset="0"/>
-      <p:regular r:id="rId18"/>
-      <p:bold r:id="rId19"/>
-      <p:italic r:id="rId20"/>
-      <p:boldItalic r:id="rId21"/>
+      <p:regular r:id="rId19"/>
+      <p:bold r:id="rId20"/>
+      <p:italic r:id="rId21"/>
+      <p:boldItalic r:id="rId22"/>
     </p:embeddedFont>
     <p:embeddedFont>
       <p:font typeface="华文细黑" panose="02010600040101010101" pitchFamily="2" charset="-122"/>
-      <p:regular r:id="rId22"/>
+      <p:regular r:id="rId23"/>
     </p:embeddedFont>
     <p:embeddedFont>
       <p:font typeface="微软雅黑" panose="020B0503020204020204" pitchFamily="34" charset="-122"/>
-      <p:regular r:id="rId23"/>
-      <p:bold r:id="rId24"/>
-    </p:embeddedFont>
-    <p:embeddedFont>
-      <p:font typeface="微软雅黑 Light" panose="020B0502040204020203" pitchFamily="34" charset="-122"/>
-      <p:regular r:id="rId25"/>
+      <p:regular r:id="rId24"/>
+      <p:bold r:id="rId25"/>
     </p:embeddedFont>
   </p:embeddedFontLst>
   <p:defaultTextStyle>
@@ -7468,8 +7468,8 @@
           <a:lstStyle/>
           <a:p>
             <a:r>
-              <a:rPr lang="en-US" altLang="zh-CN" sz="2400" dirty="0" smtClean="0"/>
-              <a:t>During 2017</a:t>
+              <a:rPr lang="zh-CN" altLang="en-US" sz="2400" dirty="0" smtClean="0"/>
+              <a:t>收费模式</a:t>
             </a:r>
             <a:endParaRPr lang="zh-CN" altLang="en-US" sz="2000" b="0" dirty="0"/>
           </a:p>
@@ -8665,8 +8665,8 @@
           <a:lstStyle/>
           <a:p>
             <a:r>
-              <a:rPr lang="en-US" altLang="zh-CN" sz="2400" dirty="0" smtClean="0"/>
-              <a:t>During 2017</a:t>
+              <a:rPr lang="zh-CN" altLang="en-US" sz="2400"/>
+              <a:t>收费模式</a:t>
             </a:r>
             <a:endParaRPr lang="zh-CN" altLang="en-US" sz="2000" b="0" dirty="0"/>
           </a:p>
@@ -13577,11 +13577,6 @@
               </a:rPr>
               <a:t>方案</a:t>
             </a:r>
-            <a:endParaRPr lang="zh-CN" altLang="en-US" sz="4400" dirty="0">
-              <a:solidFill>
-                <a:schemeClr val="bg1"/>
-              </a:solidFill>
-            </a:endParaRPr>
           </a:p>
         </p:txBody>
       </p:sp>
@@ -14607,7 +14602,7 @@
         <p:spPr>
           <a:xfrm>
             <a:off x="1672046" y="5462862"/>
-            <a:ext cx="6069874" cy="646331"/>
+            <a:ext cx="6069874" cy="369332"/>
           </a:xfrm>
           <a:prstGeom prst="rect">
             <a:avLst/>
@@ -14622,11 +14617,19 @@
           <a:p>
             <a:r>
               <a:rPr lang="zh-CN" altLang="en-US" dirty="0"/>
-              <a:t>提供可选的产品升级服务，帮组客户应对需求的变更，保证系统的</a:t>
+              <a:t>专业的交互设计师和</a:t>
+            </a:r>
+            <a:r>
+              <a:rPr lang="en-US" altLang="zh-CN" dirty="0"/>
+              <a:t>UI</a:t>
+            </a:r>
+            <a:r>
+              <a:rPr lang="zh-CN" altLang="en-US" dirty="0"/>
+              <a:t>设计师保证系统的易用</a:t>
             </a:r>
             <a:r>
               <a:rPr lang="zh-CN" altLang="en-US" dirty="0" smtClean="0"/>
-              <a:t>扩展性。</a:t>
+              <a:t>性。</a:t>
             </a:r>
             <a:endParaRPr lang="zh-CN" altLang="en-US" dirty="0"/>
           </a:p>
@@ -15896,6 +15899,232 @@
       </p:grpSpPr>
       <p:sp>
         <p:nvSpPr>
+          <p:cNvPr id="15" name="任意多边形 14"/>
+          <p:cNvSpPr>
+            <a:spLocks noChangeAspect="1"/>
+          </p:cNvSpPr>
+          <p:nvPr/>
+        </p:nvSpPr>
+        <p:spPr>
+          <a:xfrm rot="16200000" flipH="1">
+            <a:off x="6273890" y="1705121"/>
+            <a:ext cx="1051770" cy="952235"/>
+          </a:xfrm>
+          <a:custGeom>
+            <a:avLst/>
+            <a:gdLst>
+              <a:gd name="connsiteX0" fmla="*/ 0 w 1067699"/>
+              <a:gd name="connsiteY0" fmla="*/ 920432 h 920433"/>
+              <a:gd name="connsiteX1" fmla="*/ 564574 w 1067699"/>
+              <a:gd name="connsiteY1" fmla="*/ 0 h 920433"/>
+              <a:gd name="connsiteX2" fmla="*/ 1067699 w 1067699"/>
+              <a:gd name="connsiteY2" fmla="*/ 0 h 920433"/>
+              <a:gd name="connsiteX3" fmla="*/ 1067699 w 1067699"/>
+              <a:gd name="connsiteY3" fmla="*/ 920433 h 920433"/>
+              <a:gd name="connsiteX4" fmla="*/ 0 w 1067699"/>
+              <a:gd name="connsiteY4" fmla="*/ 920433 h 920433"/>
+            </a:gdLst>
+            <a:ahLst/>
+            <a:cxnLst>
+              <a:cxn ang="0">
+                <a:pos x="connsiteX0" y="connsiteY0"/>
+              </a:cxn>
+              <a:cxn ang="0">
+                <a:pos x="connsiteX1" y="connsiteY1"/>
+              </a:cxn>
+              <a:cxn ang="0">
+                <a:pos x="connsiteX2" y="connsiteY2"/>
+              </a:cxn>
+              <a:cxn ang="0">
+                <a:pos x="connsiteX3" y="connsiteY3"/>
+              </a:cxn>
+              <a:cxn ang="0">
+                <a:pos x="connsiteX4" y="connsiteY4"/>
+              </a:cxn>
+            </a:cxnLst>
+            <a:rect l="l" t="t" r="r" b="b"/>
+            <a:pathLst>
+              <a:path w="1067699" h="920433">
+                <a:moveTo>
+                  <a:pt x="0" y="920432"/>
+                </a:moveTo>
+                <a:lnTo>
+                  <a:pt x="564574" y="0"/>
+                </a:lnTo>
+                <a:lnTo>
+                  <a:pt x="1067699" y="0"/>
+                </a:lnTo>
+                <a:lnTo>
+                  <a:pt x="1067699" y="920433"/>
+                </a:lnTo>
+                <a:lnTo>
+                  <a:pt x="0" y="920433"/>
+                </a:lnTo>
+                <a:close/>
+              </a:path>
+            </a:pathLst>
+          </a:custGeom>
+          <a:solidFill>
+            <a:schemeClr val="accent2"/>
+          </a:solidFill>
+          <a:ln w="15875">
+            <a:noFill/>
+          </a:ln>
+        </p:spPr>
+        <p:style>
+          <a:lnRef idx="2">
+            <a:schemeClr val="accent1">
+              <a:shade val="50000"/>
+            </a:schemeClr>
+          </a:lnRef>
+          <a:fillRef idx="1">
+            <a:schemeClr val="accent1"/>
+          </a:fillRef>
+          <a:effectRef idx="0">
+            <a:schemeClr val="accent1"/>
+          </a:effectRef>
+          <a:fontRef idx="minor">
+            <a:schemeClr val="lt1"/>
+          </a:fontRef>
+        </p:style>
+        <p:txBody>
+          <a:bodyPr wrap="square" rtlCol="0" anchor="ctr">
+            <a:noAutofit/>
+          </a:bodyPr>
+          <a:lstStyle/>
+          <a:p>
+            <a:pPr algn="ctr"/>
+            <a:endParaRPr lang="zh-CN" altLang="en-US">
+              <a:solidFill>
+                <a:prstClr val="white"/>
+              </a:solidFill>
+            </a:endParaRPr>
+          </a:p>
+        </p:txBody>
+      </p:sp>
+      <p:sp>
+        <p:nvSpPr>
+          <p:cNvPr id="17" name="任意多边形 16"/>
+          <p:cNvSpPr>
+            <a:spLocks noChangeAspect="1"/>
+          </p:cNvSpPr>
+          <p:nvPr/>
+        </p:nvSpPr>
+        <p:spPr>
+          <a:xfrm rot="5400000">
+            <a:off x="3857968" y="2262837"/>
+            <a:ext cx="2135400" cy="920435"/>
+          </a:xfrm>
+          <a:custGeom>
+            <a:avLst/>
+            <a:gdLst>
+              <a:gd name="connsiteX0" fmla="*/ 0 w 2135400"/>
+              <a:gd name="connsiteY0" fmla="*/ 920432 h 920435"/>
+              <a:gd name="connsiteX1" fmla="*/ 564574 w 2135400"/>
+              <a:gd name="connsiteY1" fmla="*/ 0 h 920435"/>
+              <a:gd name="connsiteX2" fmla="*/ 1570826 w 2135400"/>
+              <a:gd name="connsiteY2" fmla="*/ 0 h 920435"/>
+              <a:gd name="connsiteX3" fmla="*/ 2135400 w 2135400"/>
+              <a:gd name="connsiteY3" fmla="*/ 920432 h 920435"/>
+              <a:gd name="connsiteX4" fmla="*/ 2135399 w 2135400"/>
+              <a:gd name="connsiteY4" fmla="*/ 920435 h 920435"/>
+              <a:gd name="connsiteX5" fmla="*/ 1067699 w 2135400"/>
+              <a:gd name="connsiteY5" fmla="*/ 920435 h 920435"/>
+              <a:gd name="connsiteX6" fmla="*/ 2 w 2135400"/>
+              <a:gd name="connsiteY6" fmla="*/ 920435 h 920435"/>
+            </a:gdLst>
+            <a:ahLst/>
+            <a:cxnLst>
+              <a:cxn ang="0">
+                <a:pos x="connsiteX0" y="connsiteY0"/>
+              </a:cxn>
+              <a:cxn ang="0">
+                <a:pos x="connsiteX1" y="connsiteY1"/>
+              </a:cxn>
+              <a:cxn ang="0">
+                <a:pos x="connsiteX2" y="connsiteY2"/>
+              </a:cxn>
+              <a:cxn ang="0">
+                <a:pos x="connsiteX3" y="connsiteY3"/>
+              </a:cxn>
+              <a:cxn ang="0">
+                <a:pos x="connsiteX4" y="connsiteY4"/>
+              </a:cxn>
+              <a:cxn ang="0">
+                <a:pos x="connsiteX5" y="connsiteY5"/>
+              </a:cxn>
+              <a:cxn ang="0">
+                <a:pos x="connsiteX6" y="connsiteY6"/>
+              </a:cxn>
+            </a:cxnLst>
+            <a:rect l="l" t="t" r="r" b="b"/>
+            <a:pathLst>
+              <a:path w="2135400" h="920435">
+                <a:moveTo>
+                  <a:pt x="0" y="920432"/>
+                </a:moveTo>
+                <a:lnTo>
+                  <a:pt x="564574" y="0"/>
+                </a:lnTo>
+                <a:lnTo>
+                  <a:pt x="1570826" y="0"/>
+                </a:lnTo>
+                <a:lnTo>
+                  <a:pt x="2135400" y="920432"/>
+                </a:lnTo>
+                <a:lnTo>
+                  <a:pt x="2135399" y="920435"/>
+                </a:lnTo>
+                <a:lnTo>
+                  <a:pt x="1067699" y="920435"/>
+                </a:lnTo>
+                <a:lnTo>
+                  <a:pt x="2" y="920435"/>
+                </a:lnTo>
+                <a:close/>
+              </a:path>
+            </a:pathLst>
+          </a:custGeom>
+          <a:solidFill>
+            <a:schemeClr val="accent2"/>
+          </a:solidFill>
+          <a:ln w="15875">
+            <a:noFill/>
+          </a:ln>
+        </p:spPr>
+        <p:style>
+          <a:lnRef idx="2">
+            <a:schemeClr val="accent1">
+              <a:shade val="50000"/>
+            </a:schemeClr>
+          </a:lnRef>
+          <a:fillRef idx="1">
+            <a:schemeClr val="accent1"/>
+          </a:fillRef>
+          <a:effectRef idx="0">
+            <a:schemeClr val="accent1"/>
+          </a:effectRef>
+          <a:fontRef idx="minor">
+            <a:schemeClr val="lt1"/>
+          </a:fontRef>
+        </p:style>
+        <p:txBody>
+          <a:bodyPr wrap="square" rtlCol="0" anchor="ctr">
+            <a:noAutofit/>
+          </a:bodyPr>
+          <a:lstStyle/>
+          <a:p>
+            <a:pPr algn="ctr"/>
+            <a:endParaRPr lang="zh-CN" altLang="en-US">
+              <a:solidFill>
+                <a:prstClr val="white"/>
+              </a:solidFill>
+            </a:endParaRPr>
+          </a:p>
+        </p:txBody>
+      </p:sp>
+      <p:sp>
+        <p:nvSpPr>
           <p:cNvPr id="16" name="任意多边形 15"/>
           <p:cNvSpPr>
             <a:spLocks noChangeAspect="1"/>
@@ -15903,9 +16132,9 @@
           <p:nvPr/>
         </p:nvSpPr>
         <p:spPr>
-          <a:xfrm rot="5400000">
-            <a:off x="4359437" y="1729521"/>
-            <a:ext cx="1067699" cy="920433"/>
+          <a:xfrm rot="5400000" flipH="1" flipV="1">
+            <a:off x="6263766" y="2767014"/>
+            <a:ext cx="1083630" cy="963851"/>
           </a:xfrm>
           <a:custGeom>
             <a:avLst/>
@@ -17118,6 +17347,94 @@
                             </p:childTnLst>
                           </p:cTn>
                         </p:par>
+                        <p:par>
+                          <p:cTn id="34" fill="hold">
+                            <p:stCondLst>
+                              <p:cond delay="2500"/>
+                            </p:stCondLst>
+                            <p:childTnLst>
+                              <p:par>
+                                <p:cTn id="35" presetID="22" presetClass="entr" presetSubtype="1" fill="hold" grpId="0" nodeType="afterEffect">
+                                  <p:stCondLst>
+                                    <p:cond delay="0"/>
+                                  </p:stCondLst>
+                                  <p:childTnLst>
+                                    <p:set>
+                                      <p:cBhvr>
+                                        <p:cTn id="36" dur="1" fill="hold">
+                                          <p:stCondLst>
+                                            <p:cond delay="0"/>
+                                          </p:stCondLst>
+                                        </p:cTn>
+                                        <p:tgtEl>
+                                          <p:spTgt spid="15"/>
+                                        </p:tgtEl>
+                                        <p:attrNameLst>
+                                          <p:attrName>style.visibility</p:attrName>
+                                        </p:attrNameLst>
+                                      </p:cBhvr>
+                                      <p:to>
+                                        <p:strVal val="visible"/>
+                                      </p:to>
+                                    </p:set>
+                                    <p:animEffect transition="in" filter="wipe(up)">
+                                      <p:cBhvr>
+                                        <p:cTn id="37" dur="500"/>
+                                        <p:tgtEl>
+                                          <p:spTgt spid="15"/>
+                                        </p:tgtEl>
+                                      </p:cBhvr>
+                                    </p:animEffect>
+                                  </p:childTnLst>
+                                </p:cTn>
+                              </p:par>
+                            </p:childTnLst>
+                          </p:cTn>
+                        </p:par>
+                        <p:par>
+                          <p:cTn id="38" fill="hold">
+                            <p:stCondLst>
+                              <p:cond delay="3000"/>
+                            </p:stCondLst>
+                            <p:childTnLst>
+                              <p:par>
+                                <p:cTn id="39" presetID="22" presetClass="entr" presetSubtype="1" fill="hold" grpId="0" nodeType="afterEffect">
+                                  <p:stCondLst>
+                                    <p:cond delay="500"/>
+                                  </p:stCondLst>
+                                  <p:childTnLst>
+                                    <p:set>
+                                      <p:cBhvr>
+                                        <p:cTn id="40" dur="1" fill="hold">
+                                          <p:stCondLst>
+                                            <p:cond delay="0"/>
+                                          </p:stCondLst>
+                                        </p:cTn>
+                                        <p:tgtEl>
+                                          <p:spTgt spid="17"/>
+                                        </p:tgtEl>
+                                        <p:attrNameLst>
+                                          <p:attrName>style.visibility</p:attrName>
+                                        </p:attrNameLst>
+                                      </p:cBhvr>
+                                      <p:to>
+                                        <p:strVal val="visible"/>
+                                      </p:to>
+                                    </p:set>
+                                    <p:animEffect transition="in" filter="wipe(up)">
+                                      <p:cBhvr>
+                                        <p:cTn id="41" dur="500"/>
+                                        <p:tgtEl>
+                                          <p:spTgt spid="17"/>
+                                        </p:tgtEl>
+                                      </p:cBhvr>
+                                    </p:animEffect>
+                                  </p:childTnLst>
+                                </p:cTn>
+                              </p:par>
+                            </p:childTnLst>
+                          </p:cTn>
+                        </p:par>
                       </p:childTnLst>
                     </p:cTn>
                   </p:par>
@@ -17143,6 +17460,8 @@
       </p:par>
     </p:tnLst>
     <p:bldLst>
+      <p:bldP spid="15" grpId="0" animBg="1"/>
+      <p:bldP spid="17" grpId="0" animBg="1"/>
       <p:bldP spid="16" grpId="0" animBg="1"/>
       <p:bldP spid="32" grpId="0" animBg="1"/>
       <p:bldP spid="33" grpId="0" animBg="1"/>
@@ -17276,11 +17595,6 @@
               </a:rPr>
               <a:t>模式</a:t>
             </a:r>
-            <a:endParaRPr lang="zh-CN" altLang="en-US" sz="4400" dirty="0">
-              <a:solidFill>
-                <a:schemeClr val="bg1"/>
-              </a:solidFill>
-            </a:endParaRPr>
           </a:p>
         </p:txBody>
       </p:sp>
